--- a/docs/FLIC Update for ICNRG @ IETF 115.pptx
+++ b/docs/FLIC Update for ICNRG @ IETF 115.pptx
@@ -3608,7 +3608,7 @@
             </a:br>
             <a:r>
               <a:rPr lang="en-US" sz="3100" dirty="0"/>
-              <a:t>draft-irtf-icnrg-flic-03</a:t>
+              <a:t>draft-irtf-icnrg-flic-04</a:t>
             </a:r>
             <a:br>
               <a:rPr lang="en-US" sz="3100" dirty="0"/>
